--- a/Tutoriels/Cpp/img/zPaint.pptx
+++ b/Tutoriels/Cpp/img/zPaint.pptx
@@ -293,7 +293,7 @@
             <a:fld id="{1D8BD707-D9CF-40AE-B4C6-C98DA3205C09}" type="datetimeFigureOut">
               <a:rPr lang="en-US" smtClean="0"/>
               <a:pPr/>
-              <a:t>5/19/2020</a:t>
+              <a:t>5/22/2020</a:t>
             </a:fld>
             <a:endParaRPr lang="en-US"/>
           </a:p>
@@ -460,7 +460,7 @@
             <a:fld id="{1D8BD707-D9CF-40AE-B4C6-C98DA3205C09}" type="datetimeFigureOut">
               <a:rPr lang="en-US" smtClean="0"/>
               <a:pPr/>
-              <a:t>5/19/2020</a:t>
+              <a:t>5/22/2020</a:t>
             </a:fld>
             <a:endParaRPr lang="en-US"/>
           </a:p>
@@ -637,7 +637,7 @@
             <a:fld id="{1D8BD707-D9CF-40AE-B4C6-C98DA3205C09}" type="datetimeFigureOut">
               <a:rPr lang="en-US" smtClean="0"/>
               <a:pPr/>
-              <a:t>5/19/2020</a:t>
+              <a:t>5/22/2020</a:t>
             </a:fld>
             <a:endParaRPr lang="en-US"/>
           </a:p>
@@ -804,7 +804,7 @@
             <a:fld id="{1D8BD707-D9CF-40AE-B4C6-C98DA3205C09}" type="datetimeFigureOut">
               <a:rPr lang="en-US" smtClean="0"/>
               <a:pPr/>
-              <a:t>5/19/2020</a:t>
+              <a:t>5/22/2020</a:t>
             </a:fld>
             <a:endParaRPr lang="en-US"/>
           </a:p>
@@ -1047,7 +1047,7 @@
             <a:fld id="{1D8BD707-D9CF-40AE-B4C6-C98DA3205C09}" type="datetimeFigureOut">
               <a:rPr lang="en-US" smtClean="0"/>
               <a:pPr/>
-              <a:t>5/19/2020</a:t>
+              <a:t>5/22/2020</a:t>
             </a:fld>
             <a:endParaRPr lang="en-US"/>
           </a:p>
@@ -1332,7 +1332,7 @@
             <a:fld id="{1D8BD707-D9CF-40AE-B4C6-C98DA3205C09}" type="datetimeFigureOut">
               <a:rPr lang="en-US" smtClean="0"/>
               <a:pPr/>
-              <a:t>5/19/2020</a:t>
+              <a:t>5/22/2020</a:t>
             </a:fld>
             <a:endParaRPr lang="en-US"/>
           </a:p>
@@ -1751,7 +1751,7 @@
             <a:fld id="{1D8BD707-D9CF-40AE-B4C6-C98DA3205C09}" type="datetimeFigureOut">
               <a:rPr lang="en-US" smtClean="0"/>
               <a:pPr/>
-              <a:t>5/19/2020</a:t>
+              <a:t>5/22/2020</a:t>
             </a:fld>
             <a:endParaRPr lang="en-US"/>
           </a:p>
@@ -1866,7 +1866,7 @@
             <a:fld id="{1D8BD707-D9CF-40AE-B4C6-C98DA3205C09}" type="datetimeFigureOut">
               <a:rPr lang="en-US" smtClean="0"/>
               <a:pPr/>
-              <a:t>5/19/2020</a:t>
+              <a:t>5/22/2020</a:t>
             </a:fld>
             <a:endParaRPr lang="en-US"/>
           </a:p>
@@ -1958,7 +1958,7 @@
             <a:fld id="{1D8BD707-D9CF-40AE-B4C6-C98DA3205C09}" type="datetimeFigureOut">
               <a:rPr lang="en-US" smtClean="0"/>
               <a:pPr/>
-              <a:t>5/19/2020</a:t>
+              <a:t>5/22/2020</a:t>
             </a:fld>
             <a:endParaRPr lang="en-US"/>
           </a:p>
@@ -2232,7 +2232,7 @@
             <a:fld id="{1D8BD707-D9CF-40AE-B4C6-C98DA3205C09}" type="datetimeFigureOut">
               <a:rPr lang="en-US" smtClean="0"/>
               <a:pPr/>
-              <a:t>5/19/2020</a:t>
+              <a:t>5/22/2020</a:t>
             </a:fld>
             <a:endParaRPr lang="en-US"/>
           </a:p>
@@ -2482,7 +2482,7 @@
             <a:fld id="{1D8BD707-D9CF-40AE-B4C6-C98DA3205C09}" type="datetimeFigureOut">
               <a:rPr lang="en-US" smtClean="0"/>
               <a:pPr/>
-              <a:t>5/19/2020</a:t>
+              <a:t>5/22/2020</a:t>
             </a:fld>
             <a:endParaRPr lang="en-US"/>
           </a:p>
@@ -2692,7 +2692,7 @@
             <a:fld id="{1D8BD707-D9CF-40AE-B4C6-C98DA3205C09}" type="datetimeFigureOut">
               <a:rPr lang="en-US" smtClean="0"/>
               <a:pPr/>
-              <a:t>5/19/2020</a:t>
+              <a:t>5/22/2020</a:t>
             </a:fld>
             <a:endParaRPr lang="en-US"/>
           </a:p>
@@ -3063,39 +3063,6 @@
           <a:chExt cx="0" cy="0"/>
         </a:xfrm>
       </p:grpSpPr>
-      <p:pic>
-        <p:nvPicPr>
-          <p:cNvPr id="1026" name="Picture 2"/>
-          <p:cNvPicPr>
-            <a:picLocks noChangeAspect="1" noChangeArrowheads="1"/>
-          </p:cNvPicPr>
-          <p:nvPr/>
-        </p:nvPicPr>
-        <p:blipFill>
-          <a:blip r:embed="rId2"/>
-          <a:srcRect/>
-          <a:stretch>
-            <a:fillRect/>
-          </a:stretch>
-        </p:blipFill>
-        <p:spPr bwMode="auto">
-          <a:xfrm>
-            <a:off x="1847850" y="3057525"/>
-            <a:ext cx="5448300" cy="742950"/>
-          </a:xfrm>
-          <a:prstGeom prst="rect">
-            <a:avLst/>
-          </a:prstGeom>
-          <a:noFill/>
-          <a:ln w="9525">
-            <a:noFill/>
-            <a:miter lim="800000"/>
-            <a:headEnd/>
-            <a:tailEnd/>
-          </a:ln>
-          <a:effectLst/>
-        </p:spPr>
-      </p:pic>
       <p:sp>
         <p:nvSpPr>
           <p:cNvPr id="5" name="Rectangle 4"/>
@@ -3328,6 +3295,39 @@
           </a:p>
         </p:txBody>
       </p:sp>
+      <p:pic>
+        <p:nvPicPr>
+          <p:cNvPr id="2" name="Picture 2"/>
+          <p:cNvPicPr>
+            <a:picLocks noChangeAspect="1" noChangeArrowheads="1"/>
+          </p:cNvPicPr>
+          <p:nvPr/>
+        </p:nvPicPr>
+        <p:blipFill>
+          <a:blip r:embed="rId2"/>
+          <a:srcRect/>
+          <a:stretch>
+            <a:fillRect/>
+          </a:stretch>
+        </p:blipFill>
+        <p:spPr bwMode="auto">
+          <a:xfrm>
+            <a:off x="1790700" y="3062288"/>
+            <a:ext cx="5562600" cy="733425"/>
+          </a:xfrm>
+          <a:prstGeom prst="rect">
+            <a:avLst/>
+          </a:prstGeom>
+          <a:noFill/>
+          <a:ln w="9525">
+            <a:noFill/>
+            <a:miter lim="800000"/>
+            <a:headEnd/>
+            <a:tailEnd/>
+          </a:ln>
+          <a:effectLst/>
+        </p:spPr>
+      </p:pic>
     </p:spTree>
   </p:cSld>
   <p:clrMapOvr>
@@ -3471,7 +3471,7 @@
       </p:sp>
       <p:pic>
         <p:nvPicPr>
-          <p:cNvPr id="2051" name="Picture 3"/>
+          <p:cNvPr id="2050" name="Picture 2"/>
           <p:cNvPicPr>
             <a:picLocks noChangeAspect="1" noChangeArrowheads="1"/>
           </p:cNvPicPr>
@@ -3486,8 +3486,8 @@
         </p:blipFill>
         <p:spPr bwMode="auto">
           <a:xfrm>
-            <a:off x="2971800" y="2438400"/>
-            <a:ext cx="3019425" cy="923925"/>
+            <a:off x="2895600" y="2390775"/>
+            <a:ext cx="3162300" cy="962025"/>
           </a:xfrm>
           <a:prstGeom prst="rect">
             <a:avLst/>
